--- a/slides/XEM20_S1D1_python02.pptx
+++ b/slides/XEM20_S1D1_python02.pptx
@@ -32,9 +32,9 @@
     <p:sldId id="340" r:id="rId26"/>
     <p:sldId id="326" r:id="rId27"/>
     <p:sldId id="327" r:id="rId28"/>
-    <p:sldId id="329" r:id="rId29"/>
-    <p:sldId id="332" r:id="rId30"/>
-    <p:sldId id="328" r:id="rId31"/>
+    <p:sldId id="332" r:id="rId29"/>
+    <p:sldId id="328" r:id="rId30"/>
+    <p:sldId id="329" r:id="rId31"/>
   </p:sldIdLst>
   <p:sldSz cx="12192000" cy="6858000"/>
   <p:notesSz cx="6858000" cy="9144000"/>
@@ -300,7 +300,7 @@
           <a:lstStyle/>
           <a:p>
             <a:fld id="{1B4038B5-9DEF-584B-A3DE-90E9CF713F14}" type="datetimeFigureOut">
-              <a:t>9/24/18</a:t>
+              <a:t>9/17/19</a:t>
             </a:fld>
             <a:endParaRPr lang="fr-FR"/>
           </a:p>
@@ -498,7 +498,7 @@
           <a:lstStyle/>
           <a:p>
             <a:fld id="{1B4038B5-9DEF-584B-A3DE-90E9CF713F14}" type="datetimeFigureOut">
-              <a:t>9/24/18</a:t>
+              <a:t>9/17/19</a:t>
             </a:fld>
             <a:endParaRPr lang="fr-FR"/>
           </a:p>
@@ -706,7 +706,7 @@
           <a:lstStyle/>
           <a:p>
             <a:fld id="{1B4038B5-9DEF-584B-A3DE-90E9CF713F14}" type="datetimeFigureOut">
-              <a:t>9/24/18</a:t>
+              <a:t>9/17/19</a:t>
             </a:fld>
             <a:endParaRPr lang="fr-FR"/>
           </a:p>
@@ -904,7 +904,7 @@
           <a:lstStyle/>
           <a:p>
             <a:fld id="{1B4038B5-9DEF-584B-A3DE-90E9CF713F14}" type="datetimeFigureOut">
-              <a:t>9/24/18</a:t>
+              <a:t>9/17/19</a:t>
             </a:fld>
             <a:endParaRPr lang="fr-FR"/>
           </a:p>
@@ -1178,7 +1178,7 @@
           <a:lstStyle/>
           <a:p>
             <a:fld id="{1B4038B5-9DEF-584B-A3DE-90E9CF713F14}" type="datetimeFigureOut">
-              <a:t>9/24/18</a:t>
+              <a:t>9/17/19</a:t>
             </a:fld>
             <a:endParaRPr lang="fr-FR"/>
           </a:p>
@@ -1444,7 +1444,7 @@
           <a:lstStyle/>
           <a:p>
             <a:fld id="{1B4038B5-9DEF-584B-A3DE-90E9CF713F14}" type="datetimeFigureOut">
-              <a:t>9/24/18</a:t>
+              <a:t>9/17/19</a:t>
             </a:fld>
             <a:endParaRPr lang="fr-FR"/>
           </a:p>
@@ -1857,7 +1857,7 @@
           <a:lstStyle/>
           <a:p>
             <a:fld id="{1B4038B5-9DEF-584B-A3DE-90E9CF713F14}" type="datetimeFigureOut">
-              <a:t>9/24/18</a:t>
+              <a:t>9/17/19</a:t>
             </a:fld>
             <a:endParaRPr lang="fr-FR"/>
           </a:p>
@@ -1997,7 +1997,7 @@
           <a:lstStyle/>
           <a:p>
             <a:fld id="{1B4038B5-9DEF-584B-A3DE-90E9CF713F14}" type="datetimeFigureOut">
-              <a:t>9/24/18</a:t>
+              <a:t>9/17/19</a:t>
             </a:fld>
             <a:endParaRPr lang="fr-FR"/>
           </a:p>
@@ -2108,7 +2108,7 @@
           <a:lstStyle/>
           <a:p>
             <a:fld id="{1B4038B5-9DEF-584B-A3DE-90E9CF713F14}" type="datetimeFigureOut">
-              <a:t>9/24/18</a:t>
+              <a:t>9/17/19</a:t>
             </a:fld>
             <a:endParaRPr lang="fr-FR"/>
           </a:p>
@@ -2419,7 +2419,7 @@
           <a:lstStyle/>
           <a:p>
             <a:fld id="{1B4038B5-9DEF-584B-A3DE-90E9CF713F14}" type="datetimeFigureOut">
-              <a:t>9/24/18</a:t>
+              <a:t>9/17/19</a:t>
             </a:fld>
             <a:endParaRPr lang="fr-FR"/>
           </a:p>
@@ -2706,7 +2706,7 @@
           <a:lstStyle/>
           <a:p>
             <a:fld id="{1B4038B5-9DEF-584B-A3DE-90E9CF713F14}" type="datetimeFigureOut">
-              <a:t>9/24/18</a:t>
+              <a:t>9/17/19</a:t>
             </a:fld>
             <a:endParaRPr lang="fr-FR"/>
           </a:p>
@@ -2947,7 +2947,7 @@
           </a:lstStyle>
           <a:p>
             <a:fld id="{1B4038B5-9DEF-584B-A3DE-90E9CF713F14}" type="datetimeFigureOut">
-              <a:t>9/24/18</a:t>
+              <a:t>9/17/19</a:t>
             </a:fld>
             <a:endParaRPr lang="fr-FR"/>
           </a:p>
@@ -10139,7 +10139,7 @@
           <p:cNvPr id="2" name="Title 1">
             <a:extLst>
               <a:ext uri="{FF2B5EF4-FFF2-40B4-BE49-F238E27FC236}">
-                <a16:creationId xmlns:a16="http://schemas.microsoft.com/office/drawing/2014/main" id="{1E4633DF-FB15-364F-AF87-F09B14DF572C}"/>
+                <a16:creationId xmlns:a16="http://schemas.microsoft.com/office/drawing/2014/main" id="{07A62FF4-69BF-CC4D-A923-730205B034DD}"/>
               </a:ext>
             </a:extLst>
           </p:cNvPr>
@@ -10157,212 +10157,123 @@
           <a:p>
             <a:r>
               <a:rPr lang="fr-FR"/>
-              <a:t>BBC dataset: un "vrai" dataset</a:t>
-            </a:r>
-          </a:p>
-        </p:txBody>
-      </p:sp>
-      <p:sp>
-        <p:nvSpPr>
-          <p:cNvPr id="3" name="Content Placeholder 2">
-            <a:extLst>
-              <a:ext uri="{FF2B5EF4-FFF2-40B4-BE49-F238E27FC236}">
-                <a16:creationId xmlns:a16="http://schemas.microsoft.com/office/drawing/2014/main" id="{45DCE069-30DC-504F-ABD1-77B9D2FA0CD2}"/>
-              </a:ext>
-            </a:extLst>
-          </p:cNvPr>
-          <p:cNvSpPr>
-            <a:spLocks noGrp="1"/>
-          </p:cNvSpPr>
-          <p:nvPr>
-            <p:ph sz="half" idx="1"/>
-          </p:nvPr>
+              <a:t>Tester existence d'un fichier</a:t>
+            </a:r>
+          </a:p>
+        </p:txBody>
+      </p:sp>
+      <p:sp>
+        <p:nvSpPr>
+          <p:cNvPr id="5" name="TextBox 4">
+            <a:extLst>
+              <a:ext uri="{FF2B5EF4-FFF2-40B4-BE49-F238E27FC236}">
+                <a16:creationId xmlns:a16="http://schemas.microsoft.com/office/drawing/2014/main" id="{E070A68E-5B7E-3040-BC0F-E8C8981D40C6}"/>
+              </a:ext>
+            </a:extLst>
+          </p:cNvPr>
+          <p:cNvSpPr txBox="1"/>
+          <p:nvPr/>
         </p:nvSpPr>
         <p:spPr>
           <a:xfrm>
-            <a:off x="385713" y="1825625"/>
-            <a:ext cx="5543746" cy="4351338"/>
+            <a:off x="1186991" y="2241105"/>
+            <a:ext cx="7725192" cy="2031325"/>
           </a:xfrm>
+          <a:prstGeom prst="rect">
+            <a:avLst/>
+          </a:prstGeom>
+          <a:noFill/>
+          <a:ln w="28575">
+            <a:solidFill>
+              <a:srgbClr val="00B050"/>
+            </a:solidFill>
+          </a:ln>
         </p:spPr>
         <p:txBody>
-          <a:bodyPr>
-            <a:normAutofit fontScale="85000" lnSpcReduction="20000"/>
+          <a:bodyPr wrap="none" rtlCol="0">
+            <a:spAutoFit/>
           </a:bodyPr>
           <a:lstStyle/>
           <a:p>
             <a:r>
-              <a:rPr lang="fr-FR" sz="2000">
-                <a:hlinkClick r:id="rId2"/>
-              </a:rPr>
-              <a:t>http://mlg.ucd.ie/datasets/bbc.html</a:t>
-            </a:r>
-            <a:r>
-              <a:rPr lang="fr-FR" sz="2000"/>
-              <a:t> </a:t>
-            </a:r>
-          </a:p>
-          <a:p>
-            <a:r>
-              <a:rPr lang="en-US" sz="2000"/>
-              <a:t>Consists of 2225 documents from the </a:t>
-            </a:r>
-            <a:r>
-              <a:rPr lang="en-US" sz="2000">
-                <a:hlinkClick r:id="rId3"/>
-              </a:rPr>
-              <a:t>BBC</a:t>
-            </a:r>
-            <a:r>
-              <a:rPr lang="en-US" sz="2000"/>
-              <a:t> news website corresponding to stories in five topical areas from 2004-2005.</a:t>
-            </a:r>
-          </a:p>
-          <a:p>
-            <a:r>
-              <a:rPr lang="en-US" sz="2000"/>
-              <a:t>Class Labels: 5 (business, entertainment, politics, sport, tech)</a:t>
-            </a:r>
-          </a:p>
-          <a:p>
-            <a:r>
-              <a:rPr lang="en-US" sz="2000">
-                <a:hlinkClick r:id="rId4"/>
-              </a:rPr>
-              <a:t>&gt;&gt; Download raw text files</a:t>
-            </a:r>
-            <a:r>
-              <a:rPr lang="en-US" sz="2000"/>
-              <a:t> at </a:t>
-            </a:r>
-          </a:p>
-          <a:p>
-            <a:r>
-              <a:rPr lang="en-US" sz="2000">
-                <a:hlinkClick r:id="rId5"/>
-              </a:rPr>
-              <a:t>http://mlg.ucd.ie/files/datasets/bbcsport-fulltext.zip</a:t>
-            </a:r>
-            <a:r>
-              <a:rPr lang="en-US" sz="2000"/>
-              <a:t> </a:t>
-            </a:r>
-            <a:br>
-              <a:rPr lang="en-US" sz="2000"/>
-            </a:br>
-            <a:endParaRPr lang="fr-FR" sz="2000"/>
-          </a:p>
-        </p:txBody>
-      </p:sp>
-      <p:sp>
-        <p:nvSpPr>
-          <p:cNvPr id="4" name="Content Placeholder 3">
-            <a:extLst>
-              <a:ext uri="{FF2B5EF4-FFF2-40B4-BE49-F238E27FC236}">
-                <a16:creationId xmlns:a16="http://schemas.microsoft.com/office/drawing/2014/main" id="{91B32884-AF22-B643-B093-ECED4799B8C6}"/>
-              </a:ext>
-            </a:extLst>
-          </p:cNvPr>
-          <p:cNvSpPr>
-            <a:spLocks noGrp="1"/>
-          </p:cNvSpPr>
-          <p:nvPr>
-            <p:ph sz="half" idx="2"/>
-          </p:nvPr>
-        </p:nvSpPr>
-        <p:spPr/>
-        <p:txBody>
-          <a:bodyPr>
-            <a:normAutofit fontScale="85000" lnSpcReduction="20000"/>
-          </a:bodyPr>
-          <a:lstStyle/>
-          <a:p>
-            <a:r>
               <a:rPr lang="fr-FR"/>
-              <a:t>Telechargez le dataset</a:t>
-            </a:r>
-          </a:p>
-          <a:p>
-            <a:r>
-              <a:rPr lang="fr-FR"/>
-              <a:t>Unzippez le fichier: 5 folders</a:t>
-            </a:r>
-          </a:p>
-          <a:p>
-            <a:r>
-              <a:rPr lang="fr-FR"/>
-              <a:t>Ecrire un script qui parcourt les folders et qui lit le contenu des fichiers</a:t>
-            </a:r>
-          </a:p>
-          <a:p>
-            <a:r>
-              <a:rPr lang="fr-FR"/>
-              <a:t>Construire un dictionnaire dont les clefs seront:</a:t>
-            </a:r>
-          </a:p>
-          <a:p>
-            <a:pPr lvl="1"/>
-            <a:r>
-              <a:rPr lang="fr-FR"/>
-              <a:t>Le nom du repertoire contenant le fichier</a:t>
-            </a:r>
-          </a:p>
-          <a:p>
-            <a:pPr lvl="1"/>
-            <a:r>
-              <a:rPr lang="fr-FR"/>
-              <a:t>Le nom du fichier</a:t>
-            </a:r>
-          </a:p>
-          <a:p>
-            <a:pPr lvl="1"/>
-            <a:r>
-              <a:rPr lang="fr-FR"/>
-              <a:t>Le texte du fichier</a:t>
-            </a:r>
-          </a:p>
-          <a:p>
-            <a:r>
-              <a:rPr lang="fr-FR"/>
-              <a:t>Ecrire le resultat dans un fichier unique au format </a:t>
-            </a:r>
+              <a:t>Tester si un fichier existe:</a:t>
+            </a:r>
+          </a:p>
+          <a:p>
             <a:r>
               <a:rPr lang="fr-FR">
-                <a:solidFill>
-                  <a:srgbClr val="FF0000"/>
-                </a:solidFill>
-              </a:rPr>
-              <a:t>tsv</a:t>
-            </a:r>
-            <a:r>
-              <a:rPr lang="fr-FR"/>
-              <a:t>:</a:t>
-            </a:r>
-          </a:p>
-          <a:p>
-            <a:pPr marL="0" indent="0">
-              <a:buNone/>
-            </a:pPr>
+                <a:latin typeface="Courier New" panose="02070309020205020404" pitchFamily="49" charset="0"/>
+                <a:cs typeface="Courier New" panose="02070309020205020404" pitchFamily="49" charset="0"/>
+              </a:rPr>
+              <a:t>import os</a:t>
+            </a:r>
+          </a:p>
+          <a:p>
             <a:r>
               <a:rPr lang="fr-FR">
                 <a:latin typeface="Courier New" panose="02070309020205020404" pitchFamily="49" charset="0"/>
                 <a:cs typeface="Courier New" panose="02070309020205020404" pitchFamily="49" charset="0"/>
               </a:rPr>
-              <a:t>rep \t nom_fichier \t contenu</a:t>
-            </a:r>
-          </a:p>
-          <a:p>
-            <a:endParaRPr lang="fr-FR"/>
-          </a:p>
-          <a:p>
-            <a:pPr lvl="1"/>
-            <a:endParaRPr lang="fr-FR"/>
+              <a:t>file_path = '/Users/alexis/…/fichier.csv'</a:t>
+            </a:r>
+          </a:p>
+          <a:p>
+            <a:r>
+              <a:rPr lang="fr-FR">
+                <a:latin typeface="Courier New" panose="02070309020205020404" pitchFamily="49" charset="0"/>
+                <a:cs typeface="Courier New" panose="02070309020205020404" pitchFamily="49" charset="0"/>
+              </a:rPr>
+              <a:t>if </a:t>
+            </a:r>
+            <a:r>
+              <a:rPr lang="fr-FR" b="1">
+                <a:latin typeface="Courier New" panose="02070309020205020404" pitchFamily="49" charset="0"/>
+                <a:cs typeface="Courier New" panose="02070309020205020404" pitchFamily="49" charset="0"/>
+              </a:rPr>
+              <a:t>os.path.isfile</a:t>
+            </a:r>
+            <a:r>
+              <a:rPr lang="fr-FR">
+                <a:latin typeface="Courier New" panose="02070309020205020404" pitchFamily="49" charset="0"/>
+                <a:cs typeface="Courier New" panose="02070309020205020404" pitchFamily="49" charset="0"/>
+              </a:rPr>
+              <a:t>(file_path):</a:t>
+            </a:r>
+          </a:p>
+          <a:p>
+            <a:r>
+              <a:rPr lang="fr-FR">
+                <a:latin typeface="Courier New" panose="02070309020205020404" pitchFamily="49" charset="0"/>
+                <a:cs typeface="Courier New" panose="02070309020205020404" pitchFamily="49" charset="0"/>
+              </a:rPr>
+              <a:t>	&lt;lire le fichier&gt;</a:t>
+            </a:r>
+          </a:p>
+          <a:p>
+            <a:r>
+              <a:rPr lang="fr-FR">
+                <a:latin typeface="Courier New" panose="02070309020205020404" pitchFamily="49" charset="0"/>
+                <a:cs typeface="Courier New" panose="02070309020205020404" pitchFamily="49" charset="0"/>
+              </a:rPr>
+              <a:t>else</a:t>
+            </a:r>
+          </a:p>
+          <a:p>
+            <a:r>
+              <a:rPr lang="fr-FR">
+                <a:latin typeface="Courier New" panose="02070309020205020404" pitchFamily="49" charset="0"/>
+                <a:cs typeface="Courier New" panose="02070309020205020404" pitchFamily="49" charset="0"/>
+              </a:rPr>
+              <a:t>	print("le fichier {} n'existe pas".format(file))</a:t>
+            </a:r>
           </a:p>
         </p:txBody>
       </p:sp>
     </p:spTree>
     <p:extLst>
       <p:ext uri="{BB962C8B-B14F-4D97-AF65-F5344CB8AC3E}">
-        <p14:creationId xmlns:p14="http://schemas.microsoft.com/office/powerpoint/2010/main" val="1936760089"/>
+        <p14:creationId xmlns:p14="http://schemas.microsoft.com/office/powerpoint/2010/main" val="2058906589"/>
       </p:ext>
     </p:extLst>
   </p:cSld>
@@ -10394,7 +10305,7 @@
           <p:cNvPr id="2" name="Title 1">
             <a:extLst>
               <a:ext uri="{FF2B5EF4-FFF2-40B4-BE49-F238E27FC236}">
-                <a16:creationId xmlns:a16="http://schemas.microsoft.com/office/drawing/2014/main" id="{07A62FF4-69BF-CC4D-A923-730205B034DD}"/>
+                <a16:creationId xmlns:a16="http://schemas.microsoft.com/office/drawing/2014/main" id="{C16ED8DC-7FD9-3449-932E-178A5EECD5D7}"/>
               </a:ext>
             </a:extLst>
           </p:cNvPr>
@@ -10412,17 +10323,92 @@
           <a:p>
             <a:r>
               <a:rPr lang="fr-FR"/>
-              <a:t>Tester existence d'un fichier</a:t>
-            </a:r>
-          </a:p>
-        </p:txBody>
-      </p:sp>
-      <p:sp>
-        <p:nvSpPr>
-          <p:cNvPr id="5" name="TextBox 4">
-            <a:extLst>
-              <a:ext uri="{FF2B5EF4-FFF2-40B4-BE49-F238E27FC236}">
-                <a16:creationId xmlns:a16="http://schemas.microsoft.com/office/drawing/2014/main" id="{E070A68E-5B7E-3040-BC0F-E8C8981D40C6}"/>
+              <a:t>Repertoire</a:t>
+            </a:r>
+          </a:p>
+        </p:txBody>
+      </p:sp>
+      <p:sp>
+        <p:nvSpPr>
+          <p:cNvPr id="3" name="Content Placeholder 2">
+            <a:extLst>
+              <a:ext uri="{FF2B5EF4-FFF2-40B4-BE49-F238E27FC236}">
+                <a16:creationId xmlns:a16="http://schemas.microsoft.com/office/drawing/2014/main" id="{B2BA1C2B-A9C2-4743-AC4B-C179C32DC043}"/>
+              </a:ext>
+            </a:extLst>
+          </p:cNvPr>
+          <p:cNvSpPr>
+            <a:spLocks noGrp="1"/>
+          </p:cNvSpPr>
+          <p:nvPr>
+            <p:ph sz="half" idx="1"/>
+          </p:nvPr>
+        </p:nvSpPr>
+        <p:spPr>
+          <a:xfrm>
+            <a:off x="216030" y="1690688"/>
+            <a:ext cx="5223235" cy="1467291"/>
+          </a:xfrm>
+          <a:ln w="28575">
+            <a:solidFill>
+              <a:srgbClr val="00B0F0"/>
+            </a:solidFill>
+          </a:ln>
+        </p:spPr>
+        <p:txBody>
+          <a:bodyPr>
+            <a:normAutofit/>
+          </a:bodyPr>
+          <a:lstStyle/>
+          <a:p>
+            <a:r>
+              <a:rPr lang="fr-FR" sz="2000"/>
+              <a:t>Plein de fichiers dans un repertoire</a:t>
+            </a:r>
+          </a:p>
+          <a:p>
+            <a:r>
+              <a:rPr lang="fr-FR" sz="2000"/>
+              <a:t>Comment les lire tous ?</a:t>
+            </a:r>
+          </a:p>
+        </p:txBody>
+      </p:sp>
+      <p:pic>
+        <p:nvPicPr>
+          <p:cNvPr id="6" name="Content Placeholder 5">
+            <a:extLst>
+              <a:ext uri="{FF2B5EF4-FFF2-40B4-BE49-F238E27FC236}">
+                <a16:creationId xmlns:a16="http://schemas.microsoft.com/office/drawing/2014/main" id="{CBBCB66C-2CC5-8345-81A7-4CCEC2E99AB8}"/>
+              </a:ext>
+            </a:extLst>
+          </p:cNvPr>
+          <p:cNvPicPr>
+            <a:picLocks noGrp="1" noChangeAspect="1"/>
+          </p:cNvPicPr>
+          <p:nvPr>
+            <p:ph sz="half" idx="2"/>
+          </p:nvPr>
+        </p:nvPicPr>
+        <p:blipFill>
+          <a:blip r:embed="rId2"/>
+          <a:stretch>
+            <a:fillRect/>
+          </a:stretch>
+        </p:blipFill>
+        <p:spPr>
+          <a:xfrm>
+            <a:off x="5750350" y="1703405"/>
+            <a:ext cx="6248509" cy="3716722"/>
+          </a:xfrm>
+        </p:spPr>
+      </p:pic>
+      <p:sp>
+        <p:nvSpPr>
+          <p:cNvPr id="7" name="TextBox 6">
+            <a:extLst>
+              <a:ext uri="{FF2B5EF4-FFF2-40B4-BE49-F238E27FC236}">
+                <a16:creationId xmlns:a16="http://schemas.microsoft.com/office/drawing/2014/main" id="{97E32BFF-4850-A140-8D5A-536EA4BA648C}"/>
               </a:ext>
             </a:extLst>
           </p:cNvPr>
@@ -10431,8 +10417,8 @@
         </p:nvSpPr>
         <p:spPr>
           <a:xfrm>
-            <a:off x="1186991" y="2241105"/>
-            <a:ext cx="7725192" cy="2031325"/>
+            <a:off x="216030" y="3942799"/>
+            <a:ext cx="5223235" cy="1477328"/>
           </a:xfrm>
           <a:prstGeom prst="rect">
             <a:avLst/>
@@ -10445,14 +10431,14 @@
           </a:ln>
         </p:spPr>
         <p:txBody>
-          <a:bodyPr wrap="none" rtlCol="0">
+          <a:bodyPr wrap="square" rtlCol="0">
             <a:spAutoFit/>
           </a:bodyPr>
           <a:lstStyle/>
           <a:p>
             <a:r>
               <a:rPr lang="fr-FR"/>
-              <a:t>Tester si un fichier existe:</a:t>
+              <a:t>Autre façon de lister un repertoire</a:t>
             </a:r>
           </a:p>
           <a:p>
@@ -10466,69 +10452,55 @@
           </a:p>
           <a:p>
             <a:r>
-              <a:rPr lang="fr-FR">
-                <a:latin typeface="Courier New" panose="02070309020205020404" pitchFamily="49" charset="0"/>
-                <a:cs typeface="Courier New" panose="02070309020205020404" pitchFamily="49" charset="0"/>
-              </a:rPr>
-              <a:t>file_path = '/Users/alexis/…/fichier.csv'</a:t>
-            </a:r>
-          </a:p>
-          <a:p>
-            <a:r>
-              <a:rPr lang="fr-FR">
-                <a:latin typeface="Courier New" panose="02070309020205020404" pitchFamily="49" charset="0"/>
-                <a:cs typeface="Courier New" panose="02070309020205020404" pitchFamily="49" charset="0"/>
-              </a:rPr>
-              <a:t>if </a:t>
-            </a:r>
-            <a:r>
-              <a:rPr lang="fr-FR" b="1">
-                <a:latin typeface="Courier New" panose="02070309020205020404" pitchFamily="49" charset="0"/>
-                <a:cs typeface="Courier New" panose="02070309020205020404" pitchFamily="49" charset="0"/>
-              </a:rPr>
-              <a:t>os.path.isfile</a:t>
-            </a:r>
-            <a:r>
-              <a:rPr lang="fr-FR">
-                <a:latin typeface="Courier New" panose="02070309020205020404" pitchFamily="49" charset="0"/>
-                <a:cs typeface="Courier New" panose="02070309020205020404" pitchFamily="49" charset="0"/>
-              </a:rPr>
-              <a:t>(file_path):</a:t>
-            </a:r>
-          </a:p>
-          <a:p>
-            <a:r>
-              <a:rPr lang="fr-FR">
-                <a:latin typeface="Courier New" panose="02070309020205020404" pitchFamily="49" charset="0"/>
-                <a:cs typeface="Courier New" panose="02070309020205020404" pitchFamily="49" charset="0"/>
-              </a:rPr>
-              <a:t>	&lt;lire le fichier&gt;</a:t>
-            </a:r>
-          </a:p>
-          <a:p>
-            <a:r>
-              <a:rPr lang="fr-FR">
-                <a:latin typeface="Courier New" panose="02070309020205020404" pitchFamily="49" charset="0"/>
-                <a:cs typeface="Courier New" panose="02070309020205020404" pitchFamily="49" charset="0"/>
-              </a:rPr>
-              <a:t>else</a:t>
-            </a:r>
-          </a:p>
-          <a:p>
-            <a:r>
-              <a:rPr lang="fr-FR">
-                <a:latin typeface="Courier New" panose="02070309020205020404" pitchFamily="49" charset="0"/>
-                <a:cs typeface="Courier New" panose="02070309020205020404" pitchFamily="49" charset="0"/>
-              </a:rPr>
-              <a:t>	print("le fichier {} n'existe pas".format(file))</a:t>
-            </a:r>
+              <a:rPr lang="en-US">
+                <a:latin typeface="Courier New" panose="02070309020205020404" pitchFamily="49" charset="0"/>
+                <a:cs typeface="Courier New" panose="02070309020205020404" pitchFamily="49" charset="0"/>
+              </a:rPr>
+              <a:t>for file in </a:t>
+            </a:r>
+            <a:r>
+              <a:rPr lang="en-US" b="1">
+                <a:latin typeface="Courier New" panose="02070309020205020404" pitchFamily="49" charset="0"/>
+                <a:cs typeface="Courier New" panose="02070309020205020404" pitchFamily="49" charset="0"/>
+              </a:rPr>
+              <a:t>os.listdir</a:t>
+            </a:r>
+            <a:r>
+              <a:rPr lang="en-US">
+                <a:latin typeface="Courier New" panose="02070309020205020404" pitchFamily="49" charset="0"/>
+                <a:cs typeface="Courier New" panose="02070309020205020404" pitchFamily="49" charset="0"/>
+              </a:rPr>
+              <a:t>("/mydir"): </a:t>
+            </a:r>
+          </a:p>
+          <a:p>
+            <a:r>
+              <a:rPr lang="en-US">
+                <a:latin typeface="Courier New" panose="02070309020205020404" pitchFamily="49" charset="0"/>
+                <a:cs typeface="Courier New" panose="02070309020205020404" pitchFamily="49" charset="0"/>
+              </a:rPr>
+              <a:t>	if file.endswith(".txt"): </a:t>
+            </a:r>
+          </a:p>
+          <a:p>
+            <a:r>
+              <a:rPr lang="en-US">
+                <a:latin typeface="Courier New" panose="02070309020205020404" pitchFamily="49" charset="0"/>
+                <a:cs typeface="Courier New" panose="02070309020205020404" pitchFamily="49" charset="0"/>
+              </a:rPr>
+              <a:t>		&lt;lire le fichier&gt;</a:t>
+            </a:r>
+            <a:endParaRPr lang="fr-FR">
+              <a:latin typeface="Courier New" panose="02070309020205020404" pitchFamily="49" charset="0"/>
+              <a:cs typeface="Courier New" panose="02070309020205020404" pitchFamily="49" charset="0"/>
+            </a:endParaRPr>
           </a:p>
         </p:txBody>
       </p:sp>
     </p:spTree>
     <p:extLst>
       <p:ext uri="{BB962C8B-B14F-4D97-AF65-F5344CB8AC3E}">
-        <p14:creationId xmlns:p14="http://schemas.microsoft.com/office/powerpoint/2010/main" val="2058906589"/>
+        <p14:creationId xmlns:p14="http://schemas.microsoft.com/office/powerpoint/2010/main" val="2672998731"/>
       </p:ext>
     </p:extLst>
   </p:cSld>
@@ -10640,38 +10612,10 @@
       </p:grpSpPr>
       <p:sp>
         <p:nvSpPr>
-          <p:cNvPr id="2" name="Title 1">
-            <a:extLst>
-              <a:ext uri="{FF2B5EF4-FFF2-40B4-BE49-F238E27FC236}">
-                <a16:creationId xmlns:a16="http://schemas.microsoft.com/office/drawing/2014/main" id="{C16ED8DC-7FD9-3449-932E-178A5EECD5D7}"/>
-              </a:ext>
-            </a:extLst>
-          </p:cNvPr>
-          <p:cNvSpPr>
-            <a:spLocks noGrp="1"/>
-          </p:cNvSpPr>
-          <p:nvPr>
-            <p:ph type="title"/>
-          </p:nvPr>
-        </p:nvSpPr>
-        <p:spPr/>
-        <p:txBody>
-          <a:bodyPr/>
-          <a:lstStyle/>
-          <a:p>
-            <a:r>
-              <a:rPr lang="fr-FR"/>
-              <a:t>Repertoire</a:t>
-            </a:r>
-          </a:p>
-        </p:txBody>
-      </p:sp>
-      <p:sp>
-        <p:nvSpPr>
           <p:cNvPr id="3" name="Content Placeholder 2">
             <a:extLst>
               <a:ext uri="{FF2B5EF4-FFF2-40B4-BE49-F238E27FC236}">
-                <a16:creationId xmlns:a16="http://schemas.microsoft.com/office/drawing/2014/main" id="{B2BA1C2B-A9C2-4743-AC4B-C179C32DC043}"/>
+                <a16:creationId xmlns:a16="http://schemas.microsoft.com/office/drawing/2014/main" id="{45DCE069-30DC-504F-ABD1-77B9D2FA0CD2}"/>
               </a:ext>
             </a:extLst>
           </p:cNvPr>
@@ -10684,161 +10628,250 @@
         </p:nvSpPr>
         <p:spPr>
           <a:xfrm>
-            <a:off x="216030" y="1690688"/>
-            <a:ext cx="5223235" cy="1467291"/>
+            <a:off x="385713" y="1825625"/>
+            <a:ext cx="5543746" cy="4351338"/>
           </a:xfrm>
-          <a:ln w="28575">
-            <a:solidFill>
-              <a:srgbClr val="00B0F0"/>
-            </a:solidFill>
-          </a:ln>
         </p:spPr>
         <p:txBody>
           <a:bodyPr>
-            <a:normAutofit/>
+            <a:normAutofit fontScale="85000" lnSpcReduction="20000"/>
           </a:bodyPr>
           <a:lstStyle/>
           <a:p>
             <a:r>
+              <a:rPr lang="fr-FR" sz="2000">
+                <a:hlinkClick r:id="rId2"/>
+              </a:rPr>
+              <a:t>http://mlg.ucd.ie/datasets/bbc.html</a:t>
+            </a:r>
+            <a:r>
               <a:rPr lang="fr-FR" sz="2000"/>
-              <a:t>Plein de fichiers dans un repertoire</a:t>
-            </a:r>
-          </a:p>
-          <a:p>
-            <a:r>
-              <a:rPr lang="fr-FR" sz="2000"/>
-              <a:t>Comment les lire tous ?</a:t>
-            </a:r>
-          </a:p>
-        </p:txBody>
-      </p:sp>
-      <p:pic>
-        <p:nvPicPr>
-          <p:cNvPr id="6" name="Content Placeholder 5">
-            <a:extLst>
-              <a:ext uri="{FF2B5EF4-FFF2-40B4-BE49-F238E27FC236}">
-                <a16:creationId xmlns:a16="http://schemas.microsoft.com/office/drawing/2014/main" id="{CBBCB66C-2CC5-8345-81A7-4CCEC2E99AB8}"/>
-              </a:ext>
-            </a:extLst>
-          </p:cNvPr>
-          <p:cNvPicPr>
-            <a:picLocks noGrp="1" noChangeAspect="1"/>
-          </p:cNvPicPr>
+              <a:t> </a:t>
+            </a:r>
+          </a:p>
+          <a:p>
+            <a:r>
+              <a:rPr lang="en-US" sz="2000"/>
+              <a:t>Consists of 2225 documents from the </a:t>
+            </a:r>
+            <a:r>
+              <a:rPr lang="en-US" sz="2000">
+                <a:hlinkClick r:id="rId3"/>
+              </a:rPr>
+              <a:t>BBC</a:t>
+            </a:r>
+            <a:r>
+              <a:rPr lang="en-US" sz="2000"/>
+              <a:t> news website corresponding to stories in five topical areas from 2004-2005.</a:t>
+            </a:r>
+          </a:p>
+          <a:p>
+            <a:r>
+              <a:rPr lang="en-US" sz="2000"/>
+              <a:t>Class Labels: 5 (business, entertainment, politics, sport, tech)</a:t>
+            </a:r>
+          </a:p>
+          <a:p>
+            <a:r>
+              <a:rPr lang="en-US" sz="2000">
+                <a:hlinkClick r:id="rId4"/>
+              </a:rPr>
+              <a:t>&gt;&gt; Download raw text files</a:t>
+            </a:r>
+            <a:r>
+              <a:rPr lang="en-US" sz="2000"/>
+              <a:t> at </a:t>
+            </a:r>
+          </a:p>
+          <a:p>
+            <a:r>
+              <a:rPr lang="en-US" sz="2000">
+                <a:hlinkClick r:id="rId5"/>
+              </a:rPr>
+              <a:t>http://mlg.ucd.ie/files/datasets/bbcsport-fulltext.zip</a:t>
+            </a:r>
+            <a:r>
+              <a:rPr lang="en-US" sz="2000"/>
+              <a:t> </a:t>
+            </a:r>
+            <a:br>
+              <a:rPr lang="en-US" sz="2000"/>
+            </a:br>
+            <a:endParaRPr lang="fr-FR" sz="2000"/>
+          </a:p>
+        </p:txBody>
+      </p:sp>
+      <p:sp>
+        <p:nvSpPr>
+          <p:cNvPr id="4" name="Content Placeholder 3">
+            <a:extLst>
+              <a:ext uri="{FF2B5EF4-FFF2-40B4-BE49-F238E27FC236}">
+                <a16:creationId xmlns:a16="http://schemas.microsoft.com/office/drawing/2014/main" id="{91B32884-AF22-B643-B093-ECED4799B8C6}"/>
+              </a:ext>
+            </a:extLst>
+          </p:cNvPr>
+          <p:cNvSpPr>
+            <a:spLocks noGrp="1"/>
+          </p:cNvSpPr>
           <p:nvPr>
             <p:ph sz="half" idx="2"/>
           </p:nvPr>
-        </p:nvPicPr>
-        <p:blipFill>
-          <a:blip r:embed="rId2"/>
-          <a:stretch>
-            <a:fillRect/>
-          </a:stretch>
-        </p:blipFill>
+        </p:nvSpPr>
+        <p:spPr/>
+        <p:txBody>
+          <a:bodyPr>
+            <a:normAutofit fontScale="85000" lnSpcReduction="20000"/>
+          </a:bodyPr>
+          <a:lstStyle/>
+          <a:p>
+            <a:r>
+              <a:rPr lang="fr-FR"/>
+              <a:t>Telechargez le dataset</a:t>
+            </a:r>
+          </a:p>
+          <a:p>
+            <a:r>
+              <a:rPr lang="fr-FR"/>
+              <a:t>Unzippez le fichier: 5 folders</a:t>
+            </a:r>
+          </a:p>
+          <a:p>
+            <a:r>
+              <a:rPr lang="fr-FR"/>
+              <a:t>Ecrire un script qui parcourt les folders et qui lit le contenu des fichiers</a:t>
+            </a:r>
+          </a:p>
+          <a:p>
+            <a:r>
+              <a:rPr lang="fr-FR"/>
+              <a:t>Construire un dictionnaire dont les clefs seront:</a:t>
+            </a:r>
+          </a:p>
+          <a:p>
+            <a:pPr lvl="1"/>
+            <a:r>
+              <a:rPr lang="fr-FR"/>
+              <a:t>Le nom du repertoire contenant le fichier</a:t>
+            </a:r>
+          </a:p>
+          <a:p>
+            <a:pPr lvl="1"/>
+            <a:r>
+              <a:rPr lang="fr-FR"/>
+              <a:t>Le nom du fichier</a:t>
+            </a:r>
+          </a:p>
+          <a:p>
+            <a:pPr lvl="1"/>
+            <a:r>
+              <a:rPr lang="fr-FR"/>
+              <a:t>Le texte du fichier</a:t>
+            </a:r>
+          </a:p>
+          <a:p>
+            <a:r>
+              <a:rPr lang="fr-FR"/>
+              <a:t>Ecrire le resultat dans un fichier unique au format </a:t>
+            </a:r>
+            <a:r>
+              <a:rPr lang="fr-FR">
+                <a:solidFill>
+                  <a:srgbClr val="FF0000"/>
+                </a:solidFill>
+              </a:rPr>
+              <a:t>tsv</a:t>
+            </a:r>
+            <a:r>
+              <a:rPr lang="fr-FR"/>
+              <a:t>:</a:t>
+            </a:r>
+          </a:p>
+          <a:p>
+            <a:pPr marL="0" indent="0">
+              <a:buNone/>
+            </a:pPr>
+            <a:r>
+              <a:rPr lang="fr-FR">
+                <a:latin typeface="Courier New" panose="02070309020205020404" pitchFamily="49" charset="0"/>
+                <a:cs typeface="Courier New" panose="02070309020205020404" pitchFamily="49" charset="0"/>
+              </a:rPr>
+              <a:t>rep \t nom_fichier \t contenu</a:t>
+            </a:r>
+          </a:p>
+          <a:p>
+            <a:endParaRPr lang="fr-FR"/>
+          </a:p>
+          <a:p>
+            <a:pPr lvl="1"/>
+            <a:endParaRPr lang="fr-FR"/>
+          </a:p>
+        </p:txBody>
+      </p:sp>
+      <p:sp>
+        <p:nvSpPr>
+          <p:cNvPr id="5" name="Title 1">
+            <a:extLst>
+              <a:ext uri="{FF2B5EF4-FFF2-40B4-BE49-F238E27FC236}">
+                <a16:creationId xmlns:a16="http://schemas.microsoft.com/office/drawing/2014/main" id="{8A2D7ECB-06CA-1245-8479-60F222B4498D}"/>
+              </a:ext>
+            </a:extLst>
+          </p:cNvPr>
+          <p:cNvSpPr txBox="1">
+            <a:spLocks/>
+          </p:cNvSpPr>
+          <p:nvPr/>
+        </p:nvSpPr>
         <p:spPr>
           <a:xfrm>
-            <a:off x="5750350" y="1703405"/>
-            <a:ext cx="6248509" cy="3716722"/>
-          </a:xfrm>
-        </p:spPr>
-      </p:pic>
-      <p:sp>
-        <p:nvSpPr>
-          <p:cNvPr id="7" name="TextBox 6">
-            <a:extLst>
-              <a:ext uri="{FF2B5EF4-FFF2-40B4-BE49-F238E27FC236}">
-                <a16:creationId xmlns:a16="http://schemas.microsoft.com/office/drawing/2014/main" id="{97E32BFF-4850-A140-8D5A-536EA4BA648C}"/>
-              </a:ext>
-            </a:extLst>
-          </p:cNvPr>
-          <p:cNvSpPr txBox="1"/>
-          <p:nvPr/>
-        </p:nvSpPr>
-        <p:spPr>
-          <a:xfrm>
-            <a:off x="216030" y="3942799"/>
-            <a:ext cx="5223235" cy="1477328"/>
+            <a:off x="-10274" y="-5170"/>
+            <a:ext cx="12202274" cy="646331"/>
           </a:xfrm>
           <a:prstGeom prst="rect">
             <a:avLst/>
           </a:prstGeom>
-          <a:noFill/>
-          <a:ln w="28575">
-            <a:solidFill>
-              <a:srgbClr val="00B050"/>
-            </a:solidFill>
-          </a:ln>
+          <a:solidFill>
+            <a:srgbClr val="FF0000"/>
+          </a:solidFill>
         </p:spPr>
         <p:txBody>
-          <a:bodyPr wrap="square" rtlCol="0">
-            <a:spAutoFit/>
+          <a:bodyPr vert="horz" lIns="91440" tIns="45720" rIns="91440" bIns="45720" rtlCol="0" anchor="ctr">
+            <a:normAutofit fontScale="97500" lnSpcReduction="10000"/>
           </a:bodyPr>
-          <a:lstStyle/>
-          <a:p>
-            <a:r>
-              <a:rPr lang="fr-FR"/>
-              <a:t>Autre façon de lister un repertoire</a:t>
-            </a:r>
-          </a:p>
+          <a:lstStyle>
+            <a:lvl1pPr algn="l" defTabSz="914400" rtl="0" eaLnBrk="1" latinLnBrk="0" hangingPunct="1">
+              <a:lnSpc>
+                <a:spcPct val="90000"/>
+              </a:lnSpc>
+              <a:spcBef>
+                <a:spcPct val="0"/>
+              </a:spcBef>
+              <a:buNone/>
+              <a:defRPr sz="4400" kern="1200">
+                <a:solidFill>
+                  <a:schemeClr val="tx1"/>
+                </a:solidFill>
+                <a:latin typeface="+mj-lt"/>
+                <a:ea typeface="+mj-ea"/>
+                <a:cs typeface="+mj-cs"/>
+              </a:defRPr>
+            </a:lvl1pPr>
+          </a:lstStyle>
           <a:p>
             <a:r>
               <a:rPr lang="fr-FR">
-                <a:latin typeface="Courier New" panose="02070309020205020404" pitchFamily="49" charset="0"/>
-                <a:cs typeface="Courier New" panose="02070309020205020404" pitchFamily="49" charset="0"/>
-              </a:rPr>
-              <a:t>import os</a:t>
-            </a:r>
-          </a:p>
-          <a:p>
-            <a:r>
-              <a:rPr lang="en-US">
-                <a:latin typeface="Courier New" panose="02070309020205020404" pitchFamily="49" charset="0"/>
-                <a:cs typeface="Courier New" panose="02070309020205020404" pitchFamily="49" charset="0"/>
-              </a:rPr>
-              <a:t>for file in </a:t>
-            </a:r>
-            <a:r>
-              <a:rPr lang="en-US" b="1">
-                <a:latin typeface="Courier New" panose="02070309020205020404" pitchFamily="49" charset="0"/>
-                <a:cs typeface="Courier New" panose="02070309020205020404" pitchFamily="49" charset="0"/>
-              </a:rPr>
-              <a:t>os.listdir</a:t>
-            </a:r>
-            <a:r>
-              <a:rPr lang="en-US">
-                <a:latin typeface="Courier New" panose="02070309020205020404" pitchFamily="49" charset="0"/>
-                <a:cs typeface="Courier New" panose="02070309020205020404" pitchFamily="49" charset="0"/>
-              </a:rPr>
-              <a:t>("/mydir"): </a:t>
-            </a:r>
-          </a:p>
-          <a:p>
-            <a:r>
-              <a:rPr lang="en-US">
-                <a:latin typeface="Courier New" panose="02070309020205020404" pitchFamily="49" charset="0"/>
-                <a:cs typeface="Courier New" panose="02070309020205020404" pitchFamily="49" charset="0"/>
-              </a:rPr>
-              <a:t>	if file.endswith(".txt"): </a:t>
-            </a:r>
-          </a:p>
-          <a:p>
-            <a:r>
-              <a:rPr lang="en-US">
-                <a:latin typeface="Courier New" panose="02070309020205020404" pitchFamily="49" charset="0"/>
-                <a:cs typeface="Courier New" panose="02070309020205020404" pitchFamily="49" charset="0"/>
-              </a:rPr>
-              <a:t>		&lt;lire le fichier&gt;</a:t>
-            </a:r>
-            <a:endParaRPr lang="fr-FR">
-              <a:latin typeface="Courier New" panose="02070309020205020404" pitchFamily="49" charset="0"/>
-              <a:cs typeface="Courier New" panose="02070309020205020404" pitchFamily="49" charset="0"/>
-            </a:endParaRPr>
+                <a:solidFill>
+                  <a:schemeClr val="bg1"/>
+                </a:solidFill>
+              </a:rPr>
+              <a:t>A vous: BBC</a:t>
+            </a:r>
           </a:p>
         </p:txBody>
       </p:sp>
     </p:spTree>
     <p:extLst>
       <p:ext uri="{BB962C8B-B14F-4D97-AF65-F5344CB8AC3E}">
-        <p14:creationId xmlns:p14="http://schemas.microsoft.com/office/powerpoint/2010/main" val="2672998731"/>
+        <p14:creationId xmlns:p14="http://schemas.microsoft.com/office/powerpoint/2010/main" val="1936760089"/>
       </p:ext>
     </p:extLst>
   </p:cSld>

--- a/slides/XEM20_S1D1_python02.pptx
+++ b/slides/XEM20_S1D1_python02.pptx
@@ -35,6 +35,7 @@
     <p:sldId id="332" r:id="rId29"/>
     <p:sldId id="328" r:id="rId30"/>
     <p:sldId id="329" r:id="rId31"/>
+    <p:sldId id="343" r:id="rId32"/>
   </p:sldIdLst>
   <p:sldSz cx="12192000" cy="6858000"/>
   <p:notesSz cx="6858000" cy="9144000"/>
@@ -10881,6 +10882,135 @@
 </p:sld>
 </file>
 
+<file path=ppt/slides/slide31.xml><?xml version="1.0" encoding="utf-8"?>
+<p:sld xmlns:a="http://schemas.openxmlformats.org/drawingml/2006/main" xmlns:r="http://schemas.openxmlformats.org/officeDocument/2006/relationships" xmlns:p="http://schemas.openxmlformats.org/presentationml/2006/main">
+  <p:cSld>
+    <p:spTree>
+      <p:nvGrpSpPr>
+        <p:cNvPr id="1" name=""/>
+        <p:cNvGrpSpPr/>
+        <p:nvPr/>
+      </p:nvGrpSpPr>
+      <p:grpSpPr>
+        <a:xfrm>
+          <a:off x="0" y="0"/>
+          <a:ext cx="0" cy="0"/>
+          <a:chOff x="0" y="0"/>
+          <a:chExt cx="0" cy="0"/>
+        </a:xfrm>
+      </p:grpSpPr>
+      <p:sp>
+        <p:nvSpPr>
+          <p:cNvPr id="5" name="Title 1">
+            <a:extLst>
+              <a:ext uri="{FF2B5EF4-FFF2-40B4-BE49-F238E27FC236}">
+                <a16:creationId xmlns:a16="http://schemas.microsoft.com/office/drawing/2014/main" id="{8A2D7ECB-06CA-1245-8479-60F222B4498D}"/>
+              </a:ext>
+            </a:extLst>
+          </p:cNvPr>
+          <p:cNvSpPr txBox="1">
+            <a:spLocks/>
+          </p:cNvSpPr>
+          <p:nvPr/>
+        </p:nvSpPr>
+        <p:spPr>
+          <a:xfrm>
+            <a:off x="-10274" y="-5170"/>
+            <a:ext cx="12202274" cy="646331"/>
+          </a:xfrm>
+          <a:prstGeom prst="rect">
+            <a:avLst/>
+          </a:prstGeom>
+          <a:solidFill>
+            <a:srgbClr val="FF0000"/>
+          </a:solidFill>
+        </p:spPr>
+        <p:txBody>
+          <a:bodyPr vert="horz" lIns="91440" tIns="45720" rIns="91440" bIns="45720" rtlCol="0" anchor="ctr">
+            <a:normAutofit fontScale="97500" lnSpcReduction="10000"/>
+          </a:bodyPr>
+          <a:lstStyle>
+            <a:lvl1pPr algn="l" defTabSz="914400" rtl="0" eaLnBrk="1" latinLnBrk="0" hangingPunct="1">
+              <a:lnSpc>
+                <a:spcPct val="90000"/>
+              </a:lnSpc>
+              <a:spcBef>
+                <a:spcPct val="0"/>
+              </a:spcBef>
+              <a:buNone/>
+              <a:defRPr sz="4400" kern="1200">
+                <a:solidFill>
+                  <a:schemeClr val="tx1"/>
+                </a:solidFill>
+                <a:latin typeface="+mj-lt"/>
+                <a:ea typeface="+mj-ea"/>
+                <a:cs typeface="+mj-cs"/>
+              </a:defRPr>
+            </a:lvl1pPr>
+          </a:lstStyle>
+          <a:p>
+            <a:r>
+              <a:rPr lang="fr-FR">
+                <a:solidFill>
+                  <a:schemeClr val="bg1"/>
+                </a:solidFill>
+              </a:rPr>
+              <a:t>A vous: BBC</a:t>
+            </a:r>
+          </a:p>
+        </p:txBody>
+      </p:sp>
+      <p:sp>
+        <p:nvSpPr>
+          <p:cNvPr id="9" name="TextBox 8">
+            <a:extLst>
+              <a:ext uri="{FF2B5EF4-FFF2-40B4-BE49-F238E27FC236}">
+                <a16:creationId xmlns:a16="http://schemas.microsoft.com/office/drawing/2014/main" id="{89176ED3-48BA-F844-AAC9-DA59539E5CA7}"/>
+              </a:ext>
+            </a:extLst>
+          </p:cNvPr>
+          <p:cNvSpPr txBox="1"/>
+          <p:nvPr/>
+        </p:nvSpPr>
+        <p:spPr>
+          <a:xfrm>
+            <a:off x="791110" y="1880171"/>
+            <a:ext cx="2047612" cy="646331"/>
+          </a:xfrm>
+          <a:prstGeom prst="rect">
+            <a:avLst/>
+          </a:prstGeom>
+          <a:noFill/>
+        </p:spPr>
+        <p:txBody>
+          <a:bodyPr wrap="none" rtlCol="0">
+            <a:spAutoFit/>
+          </a:bodyPr>
+          <a:lstStyle/>
+          <a:p>
+            <a:r>
+              <a:rPr lang="fr-FR"/>
+              <a:t>Demo - BBC dataset</a:t>
+            </a:r>
+          </a:p>
+          <a:p>
+            <a:endParaRPr lang="fr-FR"/>
+          </a:p>
+        </p:txBody>
+      </p:sp>
+    </p:spTree>
+    <p:extLst>
+      <p:ext uri="{BB962C8B-B14F-4D97-AF65-F5344CB8AC3E}">
+        <p14:creationId xmlns:p14="http://schemas.microsoft.com/office/powerpoint/2010/main" val="3118571717"/>
+      </p:ext>
+    </p:extLst>
+  </p:cSld>
+  <p:clrMapOvr>
+    <a:masterClrMapping/>
+  </p:clrMapOvr>
+</p:sld>
+</file>
+
 <file path=ppt/slides/slide4.xml><?xml version="1.0" encoding="utf-8"?>
 <p:sld xmlns:a="http://schemas.openxmlformats.org/drawingml/2006/main" xmlns:r="http://schemas.openxmlformats.org/officeDocument/2006/relationships" xmlns:p="http://schemas.openxmlformats.org/presentationml/2006/main">
   <p:cSld>

--- a/slides/XEM20_S1D1_python02.pptx
+++ b/slides/XEM20_S1D1_python02.pptx
@@ -301,7 +301,7 @@
           <a:lstStyle/>
           <a:p>
             <a:fld id="{1B4038B5-9DEF-584B-A3DE-90E9CF713F14}" type="datetimeFigureOut">
-              <a:t>9/17/19</a:t>
+              <a:t>9/25/19</a:t>
             </a:fld>
             <a:endParaRPr lang="fr-FR"/>
           </a:p>
@@ -499,7 +499,7 @@
           <a:lstStyle/>
           <a:p>
             <a:fld id="{1B4038B5-9DEF-584B-A3DE-90E9CF713F14}" type="datetimeFigureOut">
-              <a:t>9/17/19</a:t>
+              <a:t>9/25/19</a:t>
             </a:fld>
             <a:endParaRPr lang="fr-FR"/>
           </a:p>
@@ -707,7 +707,7 @@
           <a:lstStyle/>
           <a:p>
             <a:fld id="{1B4038B5-9DEF-584B-A3DE-90E9CF713F14}" type="datetimeFigureOut">
-              <a:t>9/17/19</a:t>
+              <a:t>9/25/19</a:t>
             </a:fld>
             <a:endParaRPr lang="fr-FR"/>
           </a:p>
@@ -905,7 +905,7 @@
           <a:lstStyle/>
           <a:p>
             <a:fld id="{1B4038B5-9DEF-584B-A3DE-90E9CF713F14}" type="datetimeFigureOut">
-              <a:t>9/17/19</a:t>
+              <a:t>9/25/19</a:t>
             </a:fld>
             <a:endParaRPr lang="fr-FR"/>
           </a:p>
@@ -1179,7 +1179,7 @@
           <a:lstStyle/>
           <a:p>
             <a:fld id="{1B4038B5-9DEF-584B-A3DE-90E9CF713F14}" type="datetimeFigureOut">
-              <a:t>9/17/19</a:t>
+              <a:t>9/25/19</a:t>
             </a:fld>
             <a:endParaRPr lang="fr-FR"/>
           </a:p>
@@ -1445,7 +1445,7 @@
           <a:lstStyle/>
           <a:p>
             <a:fld id="{1B4038B5-9DEF-584B-A3DE-90E9CF713F14}" type="datetimeFigureOut">
-              <a:t>9/17/19</a:t>
+              <a:t>9/25/19</a:t>
             </a:fld>
             <a:endParaRPr lang="fr-FR"/>
           </a:p>
@@ -1858,7 +1858,7 @@
           <a:lstStyle/>
           <a:p>
             <a:fld id="{1B4038B5-9DEF-584B-A3DE-90E9CF713F14}" type="datetimeFigureOut">
-              <a:t>9/17/19</a:t>
+              <a:t>9/25/19</a:t>
             </a:fld>
             <a:endParaRPr lang="fr-FR"/>
           </a:p>
@@ -1998,7 +1998,7 @@
           <a:lstStyle/>
           <a:p>
             <a:fld id="{1B4038B5-9DEF-584B-A3DE-90E9CF713F14}" type="datetimeFigureOut">
-              <a:t>9/17/19</a:t>
+              <a:t>9/25/19</a:t>
             </a:fld>
             <a:endParaRPr lang="fr-FR"/>
           </a:p>
@@ -2109,7 +2109,7 @@
           <a:lstStyle/>
           <a:p>
             <a:fld id="{1B4038B5-9DEF-584B-A3DE-90E9CF713F14}" type="datetimeFigureOut">
-              <a:t>9/17/19</a:t>
+              <a:t>9/25/19</a:t>
             </a:fld>
             <a:endParaRPr lang="fr-FR"/>
           </a:p>
@@ -2420,7 +2420,7 @@
           <a:lstStyle/>
           <a:p>
             <a:fld id="{1B4038B5-9DEF-584B-A3DE-90E9CF713F14}" type="datetimeFigureOut">
-              <a:t>9/17/19</a:t>
+              <a:t>9/25/19</a:t>
             </a:fld>
             <a:endParaRPr lang="fr-FR"/>
           </a:p>
@@ -2707,7 +2707,7 @@
           <a:lstStyle/>
           <a:p>
             <a:fld id="{1B4038B5-9DEF-584B-A3DE-90E9CF713F14}" type="datetimeFigureOut">
-              <a:t>9/17/19</a:t>
+              <a:t>9/25/19</a:t>
             </a:fld>
             <a:endParaRPr lang="fr-FR"/>
           </a:p>
@@ -2948,7 +2948,7 @@
           </a:lstStyle>
           <a:p>
             <a:fld id="{1B4038B5-9DEF-584B-A3DE-90E9CF713F14}" type="datetimeFigureOut">
-              <a:t>9/17/19</a:t>
+              <a:t>9/25/19</a:t>
             </a:fld>
             <a:endParaRPr lang="fr-FR"/>
           </a:p>
@@ -6788,12 +6788,15 @@
         </p:nvSpPr>
         <p:spPr>
           <a:xfrm>
-            <a:off x="2168768" y="1413063"/>
-            <a:ext cx="9941169" cy="4031873"/>
+            <a:off x="739740" y="1413063"/>
+            <a:ext cx="11370198" cy="4031873"/>
           </a:xfrm>
           <a:prstGeom prst="rect">
             <a:avLst/>
           </a:prstGeom>
+          <a:solidFill>
+            <a:schemeClr val="tx1"/>
+          </a:solidFill>
         </p:spPr>
         <p:txBody>
           <a:bodyPr wrap="square">
@@ -6803,6 +6806,9 @@
           <a:p>
             <a:r>
               <a:rPr lang="fr-FR" sz="3200">
+                <a:solidFill>
+                  <a:schemeClr val="bg1"/>
+                </a:solidFill>
                 <a:latin typeface="Courier New" panose="02070309020205020404" pitchFamily="49" charset="0"/>
                 <a:cs typeface="Courier New" panose="02070309020205020404" pitchFamily="49" charset="0"/>
               </a:rPr>
@@ -6810,6 +6816,9 @@
             </a:r>
             <a:r>
               <a:rPr lang="fr-FR" sz="3200" b="1">
+                <a:solidFill>
+                  <a:schemeClr val="bg1"/>
+                </a:solidFill>
                 <a:latin typeface="Courier New" panose="02070309020205020404" pitchFamily="49" charset="0"/>
                 <a:cs typeface="Courier New" panose="02070309020205020404" pitchFamily="49" charset="0"/>
               </a:rPr>
@@ -6820,6 +6829,9 @@
             <a:pPr lvl="1"/>
             <a:r>
               <a:rPr lang="fr-FR" sz="3200">
+                <a:solidFill>
+                  <a:schemeClr val="bg1"/>
+                </a:solidFill>
                 <a:latin typeface="Courier New" panose="02070309020205020404" pitchFamily="49" charset="0"/>
                 <a:cs typeface="Courier New" panose="02070309020205020404" pitchFamily="49" charset="0"/>
               </a:rPr>
@@ -6830,6 +6842,9 @@
             <a:pPr lvl="1"/>
             <a:r>
               <a:rPr lang="fr-FR" sz="3200">
+                <a:solidFill>
+                  <a:schemeClr val="bg1"/>
+                </a:solidFill>
                 <a:latin typeface="Courier New" panose="02070309020205020404" pitchFamily="49" charset="0"/>
                 <a:cs typeface="Courier New" panose="02070309020205020404" pitchFamily="49" charset="0"/>
               </a:rPr>
@@ -6840,16 +6855,22 @@
             <a:pPr lvl="1"/>
             <a:r>
               <a:rPr lang="fr-FR" sz="3200">
-                <a:latin typeface="Courier New" panose="02070309020205020404" pitchFamily="49" charset="0"/>
-                <a:cs typeface="Courier New" panose="02070309020205020404" pitchFamily="49" charset="0"/>
-              </a:rPr>
-              <a:t>'musique': ['funk', 'punk', 'R&amp;B'],</a:t>
+                <a:solidFill>
+                  <a:schemeClr val="bg1"/>
+                </a:solidFill>
+                <a:latin typeface="Courier New" panose="02070309020205020404" pitchFamily="49" charset="0"/>
+                <a:cs typeface="Courier New" panose="02070309020205020404" pitchFamily="49" charset="0"/>
+              </a:rPr>
+              <a:t>'musique': ['Funk', 'Trap', 'Deep House'],</a:t>
             </a:r>
           </a:p>
           <a:p>
             <a:pPr lvl="1"/>
             <a:r>
               <a:rPr lang="fr-FR" sz="3200">
+                <a:solidFill>
+                  <a:schemeClr val="bg1"/>
+                </a:solidFill>
                 <a:latin typeface="Courier New" panose="02070309020205020404" pitchFamily="49" charset="0"/>
                 <a:cs typeface="Courier New" panose="02070309020205020404" pitchFamily="49" charset="0"/>
               </a:rPr>
@@ -6860,15 +6881,21 @@
             <a:pPr lvl="1"/>
             <a:r>
               <a:rPr lang="fr-FR" sz="3200">
-                <a:latin typeface="Courier New" panose="02070309020205020404" pitchFamily="49" charset="0"/>
-                <a:cs typeface="Courier New" panose="02070309020205020404" pitchFamily="49" charset="0"/>
-              </a:rPr>
-              <a:t>'notes': {'math': 12, 'francais': 13}</a:t>
+                <a:solidFill>
+                  <a:schemeClr val="bg1"/>
+                </a:solidFill>
+                <a:latin typeface="Courier New" panose="02070309020205020404" pitchFamily="49" charset="0"/>
+                <a:cs typeface="Courier New" panose="02070309020205020404" pitchFamily="49" charset="0"/>
+              </a:rPr>
+              <a:t>'notes': {'math': 12, 'français': 13}</a:t>
             </a:r>
           </a:p>
           <a:p>
             <a:r>
               <a:rPr lang="fr-FR" sz="3200" b="1">
+                <a:solidFill>
+                  <a:schemeClr val="bg1"/>
+                </a:solidFill>
                 <a:latin typeface="Courier New" panose="02070309020205020404" pitchFamily="49" charset="0"/>
                 <a:cs typeface="Courier New" panose="02070309020205020404" pitchFamily="49" charset="0"/>
               </a:rPr>
@@ -6878,6 +6905,9 @@
           <a:p>
             <a:pPr lvl="1"/>
             <a:endParaRPr lang="fr-FR" sz="3200">
+              <a:solidFill>
+                <a:schemeClr val="bg1"/>
+              </a:solidFill>
               <a:latin typeface="Courier New" panose="02070309020205020404" pitchFamily="49" charset="0"/>
               <a:cs typeface="Courier New" panose="02070309020205020404" pitchFamily="49" charset="0"/>
             </a:endParaRPr>
@@ -7789,11 +7819,18 @@
           <a:p>
             <a:pPr lvl="1"/>
             <a:r>
-              <a:rPr lang="fr-FR"/>
+              <a:rPr lang="fr-FR">
+                <a:highlight>
+                  <a:srgbClr val="FFFF00"/>
+                </a:highlight>
+              </a:rPr>
               <a:t>Ordonnées : </a:t>
             </a:r>
             <a:r>
               <a:rPr lang="fr-FR">
+                <a:highlight>
+                  <a:srgbClr val="FFFF00"/>
+                </a:highlight>
                 <a:latin typeface="Courier New" panose="02070309020205020404" pitchFamily="49" charset="0"/>
                 <a:cs typeface="Courier New" panose="02070309020205020404" pitchFamily="49" charset="0"/>
               </a:rPr>
@@ -8078,7 +8115,11 @@
           <a:p>
             <a:pPr lvl="1"/>
             <a:r>
-              <a:rPr lang="fr-FR"/>
+              <a:rPr lang="fr-FR">
+                <a:highlight>
+                  <a:srgbClr val="FFFF00"/>
+                </a:highlight>
+              </a:rPr>
               <a:t>Non ordonnées </a:t>
             </a:r>
           </a:p>
@@ -9034,7 +9075,7 @@
         <p:spPr>
           <a:xfrm>
             <a:off x="371695" y="1444503"/>
-            <a:ext cx="10784264" cy="3785652"/>
+            <a:ext cx="10784264" cy="3416320"/>
           </a:xfrm>
           <a:prstGeom prst="rect">
             <a:avLst/>
@@ -9119,7 +9160,13 @@
                 <a:latin typeface="Courier New" panose="02070309020205020404" pitchFamily="49" charset="0"/>
                 <a:cs typeface="Courier New" panose="02070309020205020404" pitchFamily="49" charset="0"/>
               </a:rPr>
-              <a:t>string pour l'alphabet et la liste des signes de ponctuation</a:t>
+              <a:t>string</a:t>
+            </a:r>
+            <a:r>
+              <a:rPr lang="en-US" sz="2400">
+                <a:cs typeface="Courier New" panose="02070309020205020404" pitchFamily="49" charset="0"/>
+              </a:rPr>
+              <a:t> pour l'alphabet et la liste des signes de ponctuation</a:t>
             </a:r>
           </a:p>
         </p:txBody>
@@ -9146,7 +9193,7 @@
           </a:prstGeom>
           <a:ln w="28575">
             <a:solidFill>
-              <a:srgbClr val="0070C0"/>
+              <a:srgbClr val="C04F01"/>
             </a:solidFill>
           </a:ln>
         </p:spPr>

--- a/slides/XEM20_S1D1_python02.pptx
+++ b/slides/XEM20_S1D1_python02.pptx
@@ -6510,7 +6510,21 @@
                 <a:latin typeface="Courier" pitchFamily="2" charset="0"/>
                 <a:cs typeface="Courier New" panose="02070309020205020404" pitchFamily="49" charset="0"/>
               </a:rPr>
-              <a:t>liste qui ne contiennent que les termes de a qui sont des carrés (utiliser sqrt() et int() pour la condition)</a:t>
+              <a:t>liste qui ne contiennent que les termes de </a:t>
+            </a:r>
+            <a:r>
+              <a:rPr lang="fr-FR" sz="2000" i="1">
+                <a:latin typeface="Courier" pitchFamily="2" charset="0"/>
+                <a:cs typeface="Courier New" panose="02070309020205020404" pitchFamily="49" charset="0"/>
+              </a:rPr>
+              <a:t>a</a:t>
+            </a:r>
+            <a:r>
+              <a:rPr lang="fr-FR" sz="2000">
+                <a:latin typeface="Courier" pitchFamily="2" charset="0"/>
+                <a:cs typeface="Courier New" panose="02070309020205020404" pitchFamily="49" charset="0"/>
+              </a:rPr>
+              <a:t> qui sont des carrés (utiliser sqrt() et int() pour la condition)</a:t>
             </a:r>
           </a:p>
           <a:p>
